--- a/course/sa/LectureNotes/(Spring2018)Exercise2-Answer.pptx
+++ b/course/sa/LectureNotes/(Spring2018)Exercise2-Answer.pptx
@@ -122,7 +122,7 @@
   </p:defaultTextStyle>
   <p:extLst>
     <p:ext uri="{EFAFB233-063F-42B5-8137-9DF3F51BA10A}">
-      <p15:sldGuideLst xmlns:p15="http://schemas.microsoft.com/office/powerpoint/2012/main" xmlns="">
+      <p15:sldGuideLst xmlns:p15="http://schemas.microsoft.com/office/powerpoint/2012/main">
         <p15:guide id="1" orient="horz" pos="2160" userDrawn="1">
           <p15:clr>
             <a:srgbClr val="A4A3A4"/>
@@ -136,7 +136,7 @@
       </p15:sldGuideLst>
     </p:ext>
     <p:ext uri="{2D200454-40CA-4A62-9FC3-DE9A4176ACB9}">
-      <p15:notesGuideLst xmlns:p15="http://schemas.microsoft.com/office/powerpoint/2012/main" xmlns=""/>
+      <p15:notesGuideLst xmlns:p15="http://schemas.microsoft.com/office/powerpoint/2012/main"/>
     </p:ext>
   </p:extLst>
 </p:presentation>
@@ -233,7 +233,7 @@
                 <a:ea typeface="微软雅黑" panose="020B0503020204020204" pitchFamily="34" charset="-122"/>
               </a:rPr>
               <a:pPr algn="r" rtl="0"/>
-              <a:t>18-3-27</a:t>
+              <a:t>2018/4/2</a:t>
             </a:fld>
             <a:endParaRPr lang="zh-CN" altLang="en-US" dirty="0">
               <a:latin typeface="微软雅黑" panose="020B0503020204020204" pitchFamily="34" charset="-122"/>
@@ -420,7 +420,7 @@
             <a:fld id="{229B22C3-6CB1-491B-AD00-E0837F23A3F3}" type="datetime1">
               <a:rPr lang="zh-CN" altLang="en-US" smtClean="0"/>
               <a:pPr/>
-              <a:t>18-3-27</a:t>
+              <a:t>2018/4/2</a:t>
             </a:fld>
             <a:endParaRPr lang="zh-CN" altLang="en-US" dirty="0"/>
           </a:p>
@@ -1016,7 +1016,7 @@
             <a:fld id="{A7392AAC-879E-4B39-8824-AF6B730A809E}" type="datetime1">
               <a:rPr lang="zh-CN" altLang="en-US" smtClean="0"/>
               <a:pPr/>
-              <a:t>18-3-27</a:t>
+              <a:t>2018/4/2</a:t>
             </a:fld>
             <a:endParaRPr lang="zh-CN" altLang="en-US" dirty="0"/>
           </a:p>
@@ -1357,7 +1357,7 @@
             <a:fld id="{7118C275-B304-48F5-8C4F-015CBCF4E7C1}" type="datetime1">
               <a:rPr lang="zh-CN" altLang="en-US" smtClean="0"/>
               <a:pPr/>
-              <a:t>18-3-27</a:t>
+              <a:t>2018/4/2</a:t>
             </a:fld>
             <a:r>
               <a:rPr lang="zh-CN" altLang="en-US" dirty="0"/>
@@ -1563,7 +1563,7 @@
             <a:fld id="{98791AA9-DDCB-4BA8-AD1D-963A3AA00622}" type="datetime1">
               <a:rPr lang="zh-CN" altLang="en-US" smtClean="0"/>
               <a:pPr/>
-              <a:t>18-3-27</a:t>
+              <a:t>2018/4/2</a:t>
             </a:fld>
             <a:endParaRPr lang="zh-CN" altLang="en-US" dirty="0"/>
           </a:p>
@@ -1767,7 +1767,7 @@
             <a:fld id="{9170426F-E661-472B-BE42-25E072CD46D9}" type="datetime1">
               <a:rPr lang="zh-CN" altLang="en-US" smtClean="0"/>
               <a:pPr/>
-              <a:t>18-3-27</a:t>
+              <a:t>2018/4/2</a:t>
             </a:fld>
             <a:endParaRPr lang="zh-CN" altLang="en-US" dirty="0"/>
           </a:p>
@@ -2089,7 +2089,7 @@
             <a:fld id="{9BA78444-6099-4C0A-A3A9-C6F3C5D7F289}" type="datetime1">
               <a:rPr lang="zh-CN" altLang="en-US" smtClean="0"/>
               <a:pPr/>
-              <a:t>18-3-27</a:t>
+              <a:t>2018/4/2</a:t>
             </a:fld>
             <a:endParaRPr lang="zh-CN" altLang="en-US" dirty="0"/>
           </a:p>
@@ -3201,7 +3201,7 @@
             <a:fld id="{AF5F6A19-70BF-4380-9A40-68C9536408C6}" type="datetime1">
               <a:rPr lang="zh-CN" altLang="en-US" smtClean="0"/>
               <a:pPr/>
-              <a:t>18-3-27</a:t>
+              <a:t>2018/4/2</a:t>
             </a:fld>
             <a:endParaRPr lang="zh-CN" altLang="en-US" dirty="0"/>
           </a:p>
@@ -3600,7 +3600,7 @@
             <a:fld id="{6017EB90-196C-4C15-BD31-13E0E0436C73}" type="datetime1">
               <a:rPr lang="zh-CN" altLang="en-US" smtClean="0"/>
               <a:pPr/>
-              <a:t>18-3-27</a:t>
+              <a:t>2018/4/2</a:t>
             </a:fld>
             <a:r>
               <a:rPr lang="zh-CN" altLang="en-US" dirty="0"/>
@@ -4082,7 +4082,7 @@
             <a:fld id="{C2EC0F41-B48F-4298-A7F6-618EB9D22195}" type="datetime1">
               <a:rPr lang="zh-CN" altLang="en-US" smtClean="0"/>
               <a:pPr/>
-              <a:t>18-3-27</a:t>
+              <a:t>2018/4/2</a:t>
             </a:fld>
             <a:endParaRPr lang="zh-CN" altLang="en-US" dirty="0"/>
           </a:p>
@@ -4233,7 +4233,7 @@
             <a:fld id="{7DB2D836-56E8-4B15-857C-14B1A5B3B67B}" type="datetime1">
               <a:rPr lang="zh-CN" altLang="en-US" smtClean="0"/>
               <a:pPr/>
-              <a:t>18-3-27</a:t>
+              <a:t>2018/4/2</a:t>
             </a:fld>
             <a:endParaRPr lang="zh-CN" altLang="en-US" dirty="0"/>
           </a:p>
@@ -4351,7 +4351,7 @@
             <a:fld id="{038D929F-7D8C-4CC3-8AC7-BB9B8FE2DEBF}" type="datetime1">
               <a:rPr lang="zh-CN" altLang="en-US" smtClean="0"/>
               <a:pPr/>
-              <a:t>18-3-27</a:t>
+              <a:t>2018/4/2</a:t>
             </a:fld>
             <a:endParaRPr lang="zh-CN" altLang="en-US" dirty="0"/>
           </a:p>
@@ -4654,7 +4654,7 @@
             <a:fld id="{F7892ACC-8BC8-4C9E-9D2B-0669DA5038B6}" type="datetime1">
               <a:rPr lang="zh-CN" altLang="en-US" smtClean="0"/>
               <a:pPr/>
-              <a:t>18-3-27</a:t>
+              <a:t>2018/4/2</a:t>
             </a:fld>
             <a:endParaRPr lang="zh-CN" altLang="en-US" dirty="0"/>
           </a:p>
@@ -4920,7 +4920,7 @@
             <a:fld id="{660B6A15-7713-4A08-BBFD-F297CCC2B976}" type="datetime1">
               <a:rPr lang="zh-CN" altLang="en-US" smtClean="0"/>
               <a:pPr/>
-              <a:t>18-3-27</a:t>
+              <a:t>2018/4/2</a:t>
             </a:fld>
             <a:r>
               <a:rPr lang="zh-CN" altLang="en-US" dirty="0"/>
@@ -5418,7 +5418,7 @@
   </p:txStyles>
   <p:extLst mod="1">
     <p:ext uri="{27BBF7A9-308A-43DC-89C8-2F10F3537804}">
-      <p15:sldGuideLst xmlns:p15="http://schemas.microsoft.com/office/powerpoint/2012/main" xmlns="">
+      <p15:sldGuideLst xmlns:p15="http://schemas.microsoft.com/office/powerpoint/2012/main">
         <p15:guide id="1" pos="522" userDrawn="1">
           <p15:clr>
             <a:srgbClr val="F26B43"/>
@@ -5484,8 +5484,8 @@
           <a:p>
             <a:pPr rtl="0"/>
             <a:r>
-              <a:rPr lang="en-US" altLang="zh-CN" dirty="0" smtClean="0"/>
-              <a:t>exercise</a:t>
+              <a:rPr lang="en-US" altLang="zh-CN" dirty="0"/>
+              <a:t>Exercise 2</a:t>
             </a:r>
             <a:endParaRPr lang="en-US" dirty="0">
               <a:latin typeface="微软雅黑" panose="020B0503020204020204" pitchFamily="34" charset="-122"/>
@@ -5511,11 +5511,11 @@
           <a:p>
             <a:pPr rtl="0"/>
             <a:r>
-              <a:rPr lang="x-none" dirty="0">
+              <a:rPr lang="en-US" altLang="zh-CN" dirty="0">
                 <a:latin typeface="微软雅黑" panose="020B0503020204020204" pitchFamily="34" charset="-122"/>
                 <a:ea typeface="微软雅黑" panose="020B0503020204020204" pitchFamily="34" charset="-122"/>
               </a:rPr>
-              <a:t>副标题</a:t>
+              <a:t>Design Pattern</a:t>
             </a:r>
             <a:endParaRPr lang="en-US" dirty="0">
               <a:latin typeface="微软雅黑" panose="020B0503020204020204" pitchFamily="34" charset="-122"/>
@@ -5571,13 +5571,6 @@
       </p:transition>
     </mc:Fallback>
   </mc:AlternateContent>
-  <p:timing>
-    <p:tnLst>
-      <p:par>
-        <p:cTn xmlns:p14="http://schemas.microsoft.com/office/powerpoint/2010/main" id="1" dur="indefinite" restart="never" nodeType="tmRoot"/>
-      </p:par>
-    </p:tnLst>
-  </p:timing>
 </p:sld>
 </file>
 
@@ -5615,11 +5608,11 @@
           <a:p>
             <a:pPr rtl="0"/>
             <a:r>
-              <a:rPr lang="en-US" altLang="zh-CN" dirty="0" smtClean="0"/>
-              <a:t>Exercise</a:t>
-            </a:r>
-            <a:r>
-              <a:rPr lang="zh-CN" altLang="en-US" dirty="0" smtClean="0"/>
+              <a:rPr lang="en-US" altLang="zh-CN" dirty="0"/>
+              <a:t>Exercise 2</a:t>
+            </a:r>
+            <a:r>
+              <a:rPr lang="zh-CN" altLang="en-US" dirty="0"/>
               <a:t> </a:t>
             </a:r>
             <a:endParaRPr lang="en-US" dirty="0">
@@ -5646,18 +5639,10 @@
           <a:p>
             <a:r>
               <a:rPr lang="en-US" dirty="0"/>
-              <a:t>5. A movie ticketing system provides different </a:t>
-            </a:r>
-            <a:r>
-              <a:rPr lang="en-US" dirty="0" smtClean="0"/>
-              <a:t>discounts(Discount) </a:t>
-            </a:r>
-            <a:r>
-              <a:rPr lang="en-US" dirty="0"/>
-              <a:t>for different types of users. Students can enjoy a 20% discount (</a:t>
-            </a:r>
-            <a:r>
-              <a:rPr lang="en-US" dirty="0" err="1" smtClean="0"/>
+              <a:t>5. A movie ticketing system provides different discounts(Discount) for different types of users. Students can enjoy a 20% discount (</a:t>
+            </a:r>
+            <a:r>
+              <a:rPr lang="en-US" dirty="0" err="1"/>
               <a:t>StudentDiscount</a:t>
             </a:r>
             <a:r>
@@ -5665,24 +5650,12 @@
               <a:t>) with their student ID cards, children can enjoy a discount of RMB 10 (</a:t>
             </a:r>
             <a:r>
-              <a:rPr lang="en-US" dirty="0" err="1" smtClean="0"/>
+              <a:rPr lang="en-US" dirty="0" err="1"/>
               <a:t>ChildrenDiscount</a:t>
             </a:r>
             <a:r>
               <a:rPr lang="en-US" dirty="0"/>
-              <a:t>), VIP users can also earn points </a:t>
-            </a:r>
-            <a:r>
-              <a:rPr lang="en-US" dirty="0" smtClean="0"/>
-              <a:t>in </a:t>
-            </a:r>
-            <a:r>
-              <a:rPr lang="en-US" dirty="0"/>
-              <a:t>addition to a half price </a:t>
-            </a:r>
-            <a:r>
-              <a:rPr lang="en-US" dirty="0" smtClean="0"/>
-              <a:t>discount</a:t>
+              <a:t>), VIP users can also earn points in addition to a half price discount</a:t>
             </a:r>
             <a:r>
               <a:rPr lang="en-US" altLang="zh-CN" dirty="0"/>
@@ -5697,20 +5670,8 @@
               <a:t>) </a:t>
             </a:r>
             <a:r>
-              <a:rPr lang="en-US" dirty="0" smtClean="0"/>
-              <a:t>. </a:t>
-            </a:r>
-            <a:r>
               <a:rPr lang="en-US" dirty="0"/>
-              <a:t>Use the </a:t>
-            </a:r>
-            <a:r>
-              <a:rPr lang="en-US" dirty="0" smtClean="0"/>
-              <a:t>Strategy pattern to </a:t>
-            </a:r>
-            <a:r>
-              <a:rPr lang="en-US" dirty="0"/>
-              <a:t>design the system and draw the corresponding class diagram.</a:t>
+              <a:t>. Use the Strategy pattern to design the system and draw the corresponding class diagram.</a:t>
             </a:r>
             <a:endParaRPr lang="x-none" dirty="0">
               <a:latin typeface="微软雅黑" panose="020B0503020204020204" pitchFamily="34" charset="-122"/>
@@ -5741,13 +5702,6 @@
       </p:transition>
     </mc:Fallback>
   </mc:AlternateContent>
-  <p:timing>
-    <p:tnLst>
-      <p:par>
-        <p:cTn xmlns:p14="http://schemas.microsoft.com/office/powerpoint/2010/main" id="1" dur="indefinite" restart="never" nodeType="tmRoot"/>
-      </p:par>
-    </p:tnLst>
-  </p:timing>
 </p:sld>
 </file>
 
@@ -5785,11 +5739,11 @@
           <a:p>
             <a:pPr rtl="0"/>
             <a:r>
-              <a:rPr lang="en-US" altLang="zh-CN" dirty="0" smtClean="0"/>
-              <a:t>Exercise</a:t>
-            </a:r>
-            <a:r>
-              <a:rPr lang="zh-CN" altLang="en-US" dirty="0" smtClean="0"/>
+              <a:rPr lang="en-US" altLang="zh-CN"/>
+              <a:t>Exercise 2</a:t>
+            </a:r>
+            <a:r>
+              <a:rPr lang="zh-CN" altLang="en-US" dirty="0"/>
               <a:t> </a:t>
             </a:r>
             <a:endParaRPr lang="en-US" dirty="0">
@@ -5851,13 +5805,6 @@
       </p:transition>
     </mc:Fallback>
   </mc:AlternateContent>
-  <p:timing>
-    <p:tnLst>
-      <p:par>
-        <p:cTn xmlns:p14="http://schemas.microsoft.com/office/powerpoint/2010/main" id="1" dur="indefinite" restart="never" nodeType="tmRoot"/>
-      </p:par>
-    </p:tnLst>
-  </p:timing>
 </p:sld>
 </file>
 
@@ -5895,11 +5842,11 @@
           <a:p>
             <a:pPr rtl="0"/>
             <a:r>
-              <a:rPr lang="en-US" altLang="zh-CN" dirty="0" smtClean="0"/>
-              <a:t>Exercise</a:t>
-            </a:r>
-            <a:r>
-              <a:rPr lang="zh-CN" altLang="en-US" dirty="0" smtClean="0"/>
+              <a:rPr lang="en-US" altLang="zh-CN" dirty="0"/>
+              <a:t>Exercise 2</a:t>
+            </a:r>
+            <a:r>
+              <a:rPr lang="zh-CN" altLang="en-US" dirty="0"/>
               <a:t> </a:t>
             </a:r>
             <a:endParaRPr lang="en-US" dirty="0">
@@ -5997,11 +5944,7 @@
             </a:r>
             <a:r>
               <a:rPr lang="en-US" dirty="0"/>
-              <a:t> object so that they fight each other</a:t>
-            </a:r>
-            <a:r>
-              <a:rPr lang="en-US" dirty="0" smtClean="0"/>
-              <a:t>.</a:t>
+              <a:t> object so that they fight each other.</a:t>
             </a:r>
           </a:p>
           <a:p>
@@ -6014,7 +5957,7 @@
               </a:spcBef>
             </a:pPr>
             <a:r>
-              <a:rPr lang="en-US" dirty="0" smtClean="0">
+              <a:rPr lang="en-US" dirty="0">
                 <a:latin typeface="微软雅黑" panose="020B0503020204020204" pitchFamily="34" charset="-122"/>
                 <a:ea typeface="微软雅黑" panose="020B0503020204020204" pitchFamily="34" charset="-122"/>
               </a:rPr>
@@ -6032,19 +5975,7 @@
             </a:pPr>
             <a:r>
               <a:rPr lang="en-US" dirty="0"/>
-              <a:t>a) What design pattern does the </a:t>
-            </a:r>
-            <a:r>
-              <a:rPr lang="en-US" dirty="0" err="1" smtClean="0"/>
-              <a:t>belowdesign</a:t>
-            </a:r>
-            <a:r>
-              <a:rPr lang="en-US" dirty="0" smtClean="0"/>
-              <a:t> </a:t>
-            </a:r>
-            <a:r>
-              <a:rPr lang="en-US" dirty="0"/>
-              <a:t>use? </a:t>
+              <a:t>a) What design pattern does the below design use? </a:t>
             </a:r>
           </a:p>
           <a:p>
@@ -6057,12 +5988,8 @@
               </a:spcBef>
             </a:pPr>
             <a:r>
-              <a:rPr lang="en-US" dirty="0" smtClean="0"/>
-              <a:t>b) Add </a:t>
-            </a:r>
-            <a:r>
               <a:rPr lang="en-US" dirty="0"/>
-              <a:t>four new classes </a:t>
+              <a:t>b) Add four new classes </a:t>
             </a:r>
             <a:r>
               <a:rPr lang="en-US" b="1" dirty="0" err="1"/>
@@ -6094,15 +6021,7 @@
             </a:r>
             <a:r>
               <a:rPr lang="en-US" dirty="0"/>
-              <a:t> to the </a:t>
-            </a:r>
-            <a:r>
-              <a:rPr lang="en-US" dirty="0" smtClean="0"/>
-              <a:t>below design </a:t>
-            </a:r>
-            <a:r>
-              <a:rPr lang="en-US" dirty="0"/>
-              <a:t>class diagram to make the </a:t>
+              <a:t> to the below design class diagram to make the </a:t>
             </a:r>
             <a:r>
               <a:rPr lang="en-US" dirty="0" err="1"/>
@@ -6110,15 +6029,7 @@
             </a:r>
             <a:r>
               <a:rPr lang="en-US" dirty="0"/>
-              <a:t> </a:t>
-            </a:r>
-            <a:r>
-              <a:rPr lang="en-US" dirty="0" smtClean="0"/>
-              <a:t>object can </a:t>
-            </a:r>
-            <a:r>
-              <a:rPr lang="en-US" dirty="0"/>
-              <a:t>correspond to the </a:t>
+              <a:t> object can correspond to the </a:t>
             </a:r>
             <a:r>
               <a:rPr lang="en-US" dirty="0" err="1"/>
@@ -6126,19 +6037,7 @@
             </a:r>
             <a:r>
               <a:rPr lang="en-US" dirty="0"/>
-              <a:t> </a:t>
-            </a:r>
-            <a:r>
-              <a:rPr lang="en-US" dirty="0" smtClean="0"/>
-              <a:t>object</a:t>
-            </a:r>
-            <a:r>
-              <a:rPr lang="en-US" dirty="0"/>
-              <a:t> </a:t>
-            </a:r>
-            <a:r>
-              <a:rPr lang="en-US" dirty="0" smtClean="0"/>
-              <a:t>and the </a:t>
+              <a:t> object and the </a:t>
             </a:r>
             <a:r>
               <a:rPr lang="en-US" dirty="0" err="1"/>
@@ -6154,15 +6053,7 @@
             </a:r>
             <a:r>
               <a:rPr lang="en-US" dirty="0"/>
-              <a:t> object. </a:t>
-            </a:r>
-            <a:r>
-              <a:rPr lang="en-US" dirty="0" smtClean="0"/>
-              <a:t>Draw new </a:t>
-            </a:r>
-            <a:r>
-              <a:rPr lang="en-US" dirty="0"/>
-              <a:t>design class diagram;</a:t>
+              <a:t> object. Draw new design class diagram;</a:t>
             </a:r>
             <a:endParaRPr lang="x-none" dirty="0">
               <a:latin typeface="微软雅黑" panose="020B0503020204020204" pitchFamily="34" charset="-122"/>
@@ -6223,13 +6114,6 @@
       </p:transition>
     </mc:Fallback>
   </mc:AlternateContent>
-  <p:timing>
-    <p:tnLst>
-      <p:par>
-        <p:cTn xmlns:p14="http://schemas.microsoft.com/office/powerpoint/2010/main" id="1" dur="indefinite" restart="never" nodeType="tmRoot"/>
-      </p:par>
-    </p:tnLst>
-  </p:timing>
 </p:sld>
 </file>
 
@@ -6267,11 +6151,11 @@
           <a:p>
             <a:pPr rtl="0"/>
             <a:r>
-              <a:rPr lang="en-US" altLang="zh-CN" dirty="0" smtClean="0"/>
-              <a:t>Exercise</a:t>
-            </a:r>
-            <a:r>
-              <a:rPr lang="zh-CN" altLang="en-US" dirty="0" smtClean="0"/>
+              <a:rPr lang="en-US" altLang="zh-CN" dirty="0"/>
+              <a:t>Exercise 2</a:t>
+            </a:r>
+            <a:r>
+              <a:rPr lang="zh-CN" altLang="en-US" dirty="0"/>
               <a:t> </a:t>
             </a:r>
             <a:endParaRPr lang="en-US" dirty="0">
@@ -6303,24 +6187,12 @@
           <a:p>
             <a:r>
               <a:rPr lang="en-US" dirty="0"/>
-              <a:t>1.a) A</a:t>
-            </a:r>
-            <a:r>
-              <a:rPr lang="en-US" dirty="0" smtClean="0"/>
-              <a:t>bstract </a:t>
-            </a:r>
-            <a:r>
-              <a:rPr lang="en-US" dirty="0"/>
-              <a:t>factory </a:t>
-            </a:r>
-            <a:r>
-              <a:rPr lang="en-US" dirty="0" smtClean="0"/>
-              <a:t>pattern</a:t>
-            </a:r>
-          </a:p>
-          <a:p>
-            <a:r>
-              <a:rPr lang="en-US" dirty="0" smtClean="0">
+              <a:t>1.a) Abstract factory pattern</a:t>
+            </a:r>
+          </a:p>
+          <a:p>
+            <a:r>
+              <a:rPr lang="en-US" dirty="0">
                 <a:latin typeface="微软雅黑" panose="020B0503020204020204" pitchFamily="34" charset="-122"/>
                 <a:ea typeface="微软雅黑" panose="020B0503020204020204" pitchFamily="34" charset="-122"/>
               </a:rPr>
@@ -6385,13 +6257,6 @@
       </p:transition>
     </mc:Fallback>
   </mc:AlternateContent>
-  <p:timing>
-    <p:tnLst>
-      <p:par>
-        <p:cTn xmlns:p14="http://schemas.microsoft.com/office/powerpoint/2010/main" id="1" dur="indefinite" restart="never" nodeType="tmRoot"/>
-      </p:par>
-    </p:tnLst>
-  </p:timing>
 </p:sld>
 </file>
 
@@ -6429,11 +6294,11 @@
           <a:p>
             <a:pPr rtl="0"/>
             <a:r>
-              <a:rPr lang="en-US" altLang="zh-CN" dirty="0" smtClean="0"/>
-              <a:t>Exercise</a:t>
-            </a:r>
-            <a:r>
-              <a:rPr lang="zh-CN" altLang="en-US" dirty="0" smtClean="0"/>
+              <a:rPr lang="en-US" altLang="zh-CN" dirty="0"/>
+              <a:t>Exercise 2</a:t>
+            </a:r>
+            <a:r>
+              <a:rPr lang="zh-CN" altLang="en-US" dirty="0"/>
               <a:t> </a:t>
             </a:r>
             <a:endParaRPr lang="en-US" dirty="0">
@@ -6468,29 +6333,13 @@
             </a:r>
             <a:r>
               <a:rPr lang="en-US" dirty="0"/>
-              <a:t>(File job</a:t>
-            </a:r>
-            <a:r>
-              <a:rPr lang="en-US" dirty="0" smtClean="0"/>
-              <a:t>) </a:t>
-            </a:r>
+              <a:t>(File job) of this instance.</a:t>
+            </a:r>
+          </a:p>
+          <a:p>
             <a:r>
               <a:rPr lang="en-US" dirty="0"/>
-              <a:t>of this </a:t>
-            </a:r>
-            <a:r>
-              <a:rPr lang="en-US" dirty="0" smtClean="0"/>
-              <a:t>instance.</a:t>
-            </a:r>
-          </a:p>
-          <a:p>
-            <a:r>
-              <a:rPr lang="en-US" dirty="0"/>
-              <a:t>Please draw a class </a:t>
-            </a:r>
-            <a:r>
-              <a:rPr lang="en-US" dirty="0" smtClean="0"/>
-              <a:t>diagram</a:t>
+              <a:t>Please draw a class diagram</a:t>
             </a:r>
             <a:r>
               <a:rPr lang="zh-CN" altLang="en-US" dirty="0"/>
@@ -6525,13 +6374,6 @@
       </p:transition>
     </mc:Fallback>
   </mc:AlternateContent>
-  <p:timing>
-    <p:tnLst>
-      <p:par>
-        <p:cTn xmlns:p14="http://schemas.microsoft.com/office/powerpoint/2010/main" id="1" dur="indefinite" restart="never" nodeType="tmRoot"/>
-      </p:par>
-    </p:tnLst>
-  </p:timing>
 </p:sld>
 </file>
 
@@ -6569,11 +6411,11 @@
           <a:p>
             <a:pPr rtl="0"/>
             <a:r>
-              <a:rPr lang="en-US" altLang="zh-CN" dirty="0" smtClean="0"/>
-              <a:t>Exercise</a:t>
-            </a:r>
-            <a:r>
-              <a:rPr lang="zh-CN" altLang="en-US" dirty="0" smtClean="0"/>
+              <a:rPr lang="en-US" altLang="zh-CN" dirty="0"/>
+              <a:t>Exercise 2</a:t>
+            </a:r>
+            <a:r>
+              <a:rPr lang="zh-CN" altLang="en-US" dirty="0"/>
               <a:t> </a:t>
             </a:r>
             <a:endParaRPr lang="en-US" dirty="0">
@@ -6635,13 +6477,6 @@
       </p:transition>
     </mc:Fallback>
   </mc:AlternateContent>
-  <p:timing>
-    <p:tnLst>
-      <p:par>
-        <p:cTn xmlns:p14="http://schemas.microsoft.com/office/powerpoint/2010/main" id="1" dur="indefinite" restart="never" nodeType="tmRoot"/>
-      </p:par>
-    </p:tnLst>
-  </p:timing>
 </p:sld>
 </file>
 
@@ -6679,11 +6514,11 @@
           <a:p>
             <a:pPr rtl="0"/>
             <a:r>
-              <a:rPr lang="en-US" altLang="zh-CN" dirty="0" smtClean="0"/>
-              <a:t>Exercise</a:t>
-            </a:r>
-            <a:r>
-              <a:rPr lang="zh-CN" altLang="en-US" dirty="0" smtClean="0"/>
+              <a:rPr lang="en-US" altLang="zh-CN" dirty="0"/>
+              <a:t>Exercise 2</a:t>
+            </a:r>
+            <a:r>
+              <a:rPr lang="zh-CN" altLang="en-US" dirty="0"/>
               <a:t> </a:t>
             </a:r>
             <a:endParaRPr lang="en-US" dirty="0">
@@ -6705,8 +6540,8 @@
         </p:nvSpPr>
         <p:spPr>
           <a:xfrm>
-            <a:off x="828675" y="1600200"/>
-            <a:ext cx="7486650" cy="3691467"/>
+            <a:off x="828675" y="1600201"/>
+            <a:ext cx="7486650" cy="1631272"/>
           </a:xfrm>
         </p:spPr>
         <p:txBody>
@@ -6715,23 +6550,15 @@
           <a:p>
             <a:r>
               <a:rPr lang="en-US" altLang="zh-CN" dirty="0"/>
-              <a:t>3. Use </a:t>
-            </a:r>
-            <a:r>
-              <a:rPr lang="en-US" altLang="zh-CN" dirty="0" smtClean="0"/>
-              <a:t>Composite</a:t>
-            </a:r>
-            <a:r>
-              <a:rPr lang="zh-CN" altLang="en-US" dirty="0" smtClean="0"/>
+              <a:t>3. Use Composite</a:t>
+            </a:r>
+            <a:r>
+              <a:rPr lang="zh-CN" altLang="en-US" dirty="0"/>
               <a:t> </a:t>
             </a:r>
             <a:r>
-              <a:rPr lang="en-US" altLang="zh-CN" dirty="0" smtClean="0"/>
-              <a:t>mode </a:t>
-            </a:r>
-            <a:r>
               <a:rPr lang="en-US" altLang="zh-CN" dirty="0"/>
-              <a:t>to design a framework of </a:t>
+              <a:t>mode to design a framework of </a:t>
             </a:r>
             <a:r>
               <a:rPr lang="en-US" altLang="zh-CN" b="1" dirty="0"/>
@@ -6742,7 +6569,7 @@
               <a:t>. This software can not only disinfect a </a:t>
             </a:r>
             <a:r>
-              <a:rPr lang="en-US" altLang="zh-CN" b="1" dirty="0" smtClean="0"/>
+              <a:rPr lang="en-US" altLang="zh-CN" b="1" dirty="0"/>
               <a:t>Folder</a:t>
             </a:r>
             <a:r>
@@ -6750,23 +6577,19 @@
               <a:t>, but also disinfect a specified </a:t>
             </a:r>
             <a:r>
-              <a:rPr lang="en-US" altLang="zh-CN" b="1" dirty="0" smtClean="0"/>
+              <a:rPr lang="en-US" altLang="zh-CN" b="1" dirty="0"/>
               <a:t>File</a:t>
             </a:r>
             <a:r>
               <a:rPr lang="en-US" altLang="zh-CN" dirty="0"/>
-              <a:t>. The file types </a:t>
-            </a:r>
-            <a:r>
-              <a:rPr lang="en-US" altLang="zh-CN" dirty="0" smtClean="0"/>
-              <a:t>include</a:t>
-            </a:r>
-            <a:r>
-              <a:rPr lang="zh-CN" altLang="en-US" dirty="0" smtClean="0"/>
+              <a:t>. The file types include</a:t>
+            </a:r>
+            <a:r>
+              <a:rPr lang="zh-CN" altLang="en-US" dirty="0"/>
               <a:t> </a:t>
             </a:r>
             <a:r>
-              <a:rPr lang="en-US" altLang="zh-CN" b="1" dirty="0" err="1" smtClean="0"/>
+              <a:rPr lang="en-US" altLang="zh-CN" b="1" dirty="0" err="1"/>
               <a:t>TextFile</a:t>
             </a:r>
             <a:r>
@@ -6774,7 +6597,7 @@
               <a:t>, </a:t>
             </a:r>
             <a:r>
-              <a:rPr lang="en-US" altLang="zh-CN" b="1" dirty="0" err="1" smtClean="0"/>
+              <a:rPr lang="en-US" altLang="zh-CN" b="1" dirty="0" err="1"/>
               <a:t>ImageFile</a:t>
             </a:r>
             <a:r>
@@ -6782,7 +6605,7 @@
               <a:t> </a:t>
             </a:r>
             <a:r>
-              <a:rPr lang="en-US" altLang="zh-CN" dirty="0" smtClean="0"/>
+              <a:rPr lang="en-US" altLang="zh-CN" dirty="0"/>
               <a:t>and </a:t>
             </a:r>
             <a:r>
@@ -6822,13 +6645,6 @@
       </p:transition>
     </mc:Fallback>
   </mc:AlternateContent>
-  <p:timing>
-    <p:tnLst>
-      <p:par>
-        <p:cTn xmlns:p14="http://schemas.microsoft.com/office/powerpoint/2010/main" id="1" dur="indefinite" restart="never" nodeType="tmRoot"/>
-      </p:par>
-    </p:tnLst>
-  </p:timing>
 </p:sld>
 </file>
 
@@ -6866,11 +6682,11 @@
           <a:p>
             <a:pPr rtl="0"/>
             <a:r>
-              <a:rPr lang="en-US" altLang="zh-CN" dirty="0" smtClean="0"/>
-              <a:t>Exercise</a:t>
-            </a:r>
-            <a:r>
-              <a:rPr lang="zh-CN" altLang="en-US" dirty="0" smtClean="0"/>
+              <a:rPr lang="en-US" altLang="zh-CN" dirty="0"/>
+              <a:t>Exercise 2</a:t>
+            </a:r>
+            <a:r>
+              <a:rPr lang="zh-CN" altLang="en-US" dirty="0"/>
               <a:t> </a:t>
             </a:r>
             <a:endParaRPr lang="en-US" dirty="0">
@@ -6932,13 +6748,6 @@
       </p:transition>
     </mc:Fallback>
   </mc:AlternateContent>
-  <p:timing>
-    <p:tnLst>
-      <p:par>
-        <p:cTn xmlns:p14="http://schemas.microsoft.com/office/powerpoint/2010/main" id="1" dur="indefinite" restart="never" nodeType="tmRoot"/>
-      </p:par>
-    </p:tnLst>
-  </p:timing>
 </p:sld>
 </file>
 
@@ -6976,12 +6785,16 @@
           <a:p>
             <a:pPr rtl="0"/>
             <a:r>
-              <a:rPr lang="en-US" altLang="zh-CN" dirty="0" smtClean="0"/>
+              <a:rPr lang="en-US" altLang="zh-CN" dirty="0"/>
               <a:t>Exercise</a:t>
             </a:r>
             <a:r>
-              <a:rPr lang="zh-CN" altLang="en-US" dirty="0" smtClean="0"/>
+              <a:rPr lang="zh-CN" altLang="en-US" dirty="0"/>
               <a:t> </a:t>
+            </a:r>
+            <a:r>
+              <a:rPr lang="en-US" altLang="zh-CN" dirty="0"/>
+              <a:t>2</a:t>
             </a:r>
             <a:endParaRPr lang="en-US" dirty="0">
               <a:latin typeface="微软雅黑" panose="020B0503020204020204" pitchFamily="34" charset="-122"/>
@@ -7007,47 +6820,23 @@
           <a:p>
             <a:r>
               <a:rPr lang="en-US" altLang="zh-CN" dirty="0"/>
-              <a:t>4. Develop a cross-platform video player that can play multiple formats of video </a:t>
-            </a:r>
-            <a:r>
-              <a:rPr lang="en-US" altLang="zh-CN" dirty="0" smtClean="0"/>
-              <a:t>files(</a:t>
+              <a:t>4. Develop a cross-platform video player that can play multiple formats of video files(such as MPEG, RMVB, AVI, WMV, and other common video formats) on different operating system platforms (such as Windows, Linux, UNIX, etc.),The </a:t>
+            </a:r>
+            <a:r>
+              <a:rPr lang="zh-CN" altLang="zh-CN" dirty="0"/>
+              <a:t>B</a:t>
             </a:r>
             <a:r>
               <a:rPr lang="en-US" altLang="zh-CN" dirty="0"/>
-              <a:t>such as MPEG, RMVB, AVI, WMV, and other common video formats</a:t>
-            </a:r>
-            <a:r>
-              <a:rPr lang="en-US" altLang="zh-CN" dirty="0" smtClean="0"/>
-              <a:t>) </a:t>
+              <a:t>ridge</a:t>
+            </a:r>
+            <a:r>
+              <a:rPr lang="zh-CN" altLang="en-US" dirty="0"/>
+              <a:t> </a:t>
             </a:r>
             <a:r>
               <a:rPr lang="en-US" altLang="zh-CN" dirty="0"/>
-              <a:t>on different operating system platforms (such as Windows, Linux, UNIX, etc</a:t>
-            </a:r>
-            <a:r>
-              <a:rPr lang="en-US" altLang="zh-CN" dirty="0" smtClean="0"/>
-              <a:t>.),The </a:t>
-            </a:r>
-            <a:r>
-              <a:rPr lang="zh-CN" altLang="zh-CN" dirty="0" smtClean="0"/>
-              <a:t>B</a:t>
-            </a:r>
-            <a:r>
-              <a:rPr lang="en-US" altLang="zh-CN" dirty="0" smtClean="0"/>
-              <a:t>ridge</a:t>
-            </a:r>
-            <a:r>
-              <a:rPr lang="zh-CN" altLang="en-US" dirty="0" smtClean="0"/>
-              <a:t> </a:t>
-            </a:r>
-            <a:r>
-              <a:rPr lang="en-US" altLang="zh-CN" dirty="0" smtClean="0"/>
-              <a:t>pattern </a:t>
-            </a:r>
-            <a:r>
-              <a:rPr lang="en-US" altLang="zh-CN" dirty="0"/>
-              <a:t>is now used to design the player.</a:t>
+              <a:t>pattern is now used to design the player.</a:t>
             </a:r>
             <a:endParaRPr lang="x-none" dirty="0">
               <a:latin typeface="微软雅黑" panose="020B0503020204020204" pitchFamily="34" charset="-122"/>
@@ -7078,13 +6867,6 @@
       </p:transition>
     </mc:Fallback>
   </mc:AlternateContent>
-  <p:timing>
-    <p:tnLst>
-      <p:par>
-        <p:cTn xmlns:p14="http://schemas.microsoft.com/office/powerpoint/2010/main" id="1" dur="indefinite" restart="never" nodeType="tmRoot"/>
-      </p:par>
-    </p:tnLst>
-  </p:timing>
 </p:sld>
 </file>
 
@@ -7122,11 +6904,11 @@
           <a:p>
             <a:pPr rtl="0"/>
             <a:r>
-              <a:rPr lang="en-US" altLang="zh-CN" dirty="0" smtClean="0"/>
-              <a:t>Exercise</a:t>
-            </a:r>
-            <a:r>
-              <a:rPr lang="zh-CN" altLang="en-US" dirty="0" smtClean="0"/>
+              <a:rPr lang="en-US" altLang="zh-CN" dirty="0"/>
+              <a:t>Exercise 2</a:t>
+            </a:r>
+            <a:r>
+              <a:rPr lang="zh-CN" altLang="en-US" dirty="0"/>
               <a:t> </a:t>
             </a:r>
             <a:endParaRPr lang="en-US" dirty="0">
@@ -7158,8 +6940,8 @@
         </p:blipFill>
         <p:spPr>
           <a:xfrm>
-            <a:off x="733777" y="1714244"/>
-            <a:ext cx="7732889" cy="4229547"/>
+            <a:off x="0" y="1312901"/>
+            <a:ext cx="9091211" cy="4972489"/>
           </a:xfrm>
           <a:prstGeom prst="rect">
             <a:avLst/>
@@ -7188,13 +6970,6 @@
       </p:transition>
     </mc:Fallback>
   </mc:AlternateContent>
-  <p:timing>
-    <p:tnLst>
-      <p:par>
-        <p:cTn xmlns:p14="http://schemas.microsoft.com/office/powerpoint/2010/main" id="1" dur="indefinite" restart="never" nodeType="tmRoot"/>
-      </p:par>
-    </p:tnLst>
-  </p:timing>
 </p:sld>
 </file>
 
@@ -7441,7 +7216,7 @@
   <a:extraClrSchemeLst/>
   <a:extLst>
     <a:ext uri="{05A4C25C-085E-4340-85A3-A5531E510DB2}">
-      <thm15:themeFamily xmlns:thm15="http://schemas.microsoft.com/office/thememl/2012/main" xmlns="" name="Office_9411639_TF03431380_TF03431380" id="{9AE2BD50-F2AD-48C6-8A81-F7D7390F9E40}" vid="{822244C9-F44A-41EE-AAAB-DAE7A533DA64}"/>
+      <thm15:themeFamily xmlns:thm15="http://schemas.microsoft.com/office/thememl/2012/main" name="Office_9411639_TF03431380_TF03431380" id="{9AE2BD50-F2AD-48C6-8A81-F7D7390F9E40}" vid="{822244C9-F44A-41EE-AAAB-DAE7A533DA64}"/>
     </a:ext>
   </a:extLst>
 </a:theme>
@@ -7690,7 +7465,7 @@
   <a:extraClrSchemeLst/>
   <a:extLst>
     <a:ext uri="{05A4C25C-085E-4340-85A3-A5531E510DB2}">
-      <thm15:themeFamily xmlns:thm15="http://schemas.microsoft.com/office/thememl/2012/main" xmlns="" name="Office Theme" id="{62F939B6-93AF-4DB8-9C6B-D6C7DFDC589F}" vid="{4A3C46E8-61CC-4603-A589-7422A47A8E4A}"/>
+      <thm15:themeFamily xmlns:thm15="http://schemas.microsoft.com/office/thememl/2012/main" name="Office Theme" id="{62F939B6-93AF-4DB8-9C6B-D6C7DFDC589F}" vid="{4A3C46E8-61CC-4603-A589-7422A47A8E4A}"/>
     </a:ext>
   </a:extLst>
 </a:theme>
@@ -7939,19 +7714,136 @@
   <a:extraClrSchemeLst/>
   <a:extLst>
     <a:ext uri="{05A4C25C-085E-4340-85A3-A5531E510DB2}">
-      <thm15:themeFamily xmlns:thm15="http://schemas.microsoft.com/office/thememl/2012/main" xmlns="" name="Office Theme" id="{62F939B6-93AF-4DB8-9C6B-D6C7DFDC589F}" vid="{4A3C46E8-61CC-4603-A589-7422A47A8E4A}"/>
+      <thm15:themeFamily xmlns:thm15="http://schemas.microsoft.com/office/thememl/2012/main" name="Office Theme" id="{62F939B6-93AF-4DB8-9C6B-D6C7DFDC589F}" vid="{4A3C46E8-61CC-4603-A589-7422A47A8E4A}"/>
     </a:ext>
   </a:extLst>
 </a:theme>
 </file>
 
 <file path=customXml/item1.xml><?xml version="1.0" encoding="utf-8"?>
-<?mso-contentType ?>
-<FormTemplates xmlns="http://schemas.microsoft.com/sharepoint/v3/contenttype/forms">
-  <Display>DocumentLibraryForm</Display>
-  <Edit>AssetEditForm</Edit>
-  <New>DocumentLibraryForm</New>
-</FormTemplates>
+<p:properties xmlns:p="http://schemas.microsoft.com/office/2006/metadata/properties" xmlns:xsi="http://www.w3.org/2001/XMLSchema-instance" xmlns:pc="http://schemas.microsoft.com/office/infopath/2007/PartnerControls">
+  <documentManagement>
+    <APDescription xmlns="4873beb7-5857-4685-be1f-d57550cc96cc" xsi:nil="true"/>
+    <AssetExpire xmlns="4873beb7-5857-4685-be1f-d57550cc96cc">2029-01-01T08:00:00+00:00</AssetExpire>
+    <CampaignTagsTaxHTField0 xmlns="4873beb7-5857-4685-be1f-d57550cc96cc">
+      <Terms xmlns="http://schemas.microsoft.com/office/infopath/2007/PartnerControls"/>
+    </CampaignTagsTaxHTField0>
+    <IntlLangReviewDate xmlns="4873beb7-5857-4685-be1f-d57550cc96cc" xsi:nil="true"/>
+    <TPFriendlyName xmlns="4873beb7-5857-4685-be1f-d57550cc96cc" xsi:nil="true"/>
+    <IntlLangReview xmlns="4873beb7-5857-4685-be1f-d57550cc96cc">false</IntlLangReview>
+    <LocLastLocAttemptVersionLookup xmlns="4873beb7-5857-4685-be1f-d57550cc96cc">855024</LocLastLocAttemptVersionLookup>
+    <PolicheckWords xmlns="4873beb7-5857-4685-be1f-d57550cc96cc" xsi:nil="true"/>
+    <SubmitterId xmlns="4873beb7-5857-4685-be1f-d57550cc96cc" xsi:nil="true"/>
+    <AcquiredFrom xmlns="4873beb7-5857-4685-be1f-d57550cc96cc">Internal MS</AcquiredFrom>
+    <EditorialStatus xmlns="4873beb7-5857-4685-be1f-d57550cc96cc">Complete</EditorialStatus>
+    <Markets xmlns="4873beb7-5857-4685-be1f-d57550cc96cc"/>
+    <OriginAsset xmlns="4873beb7-5857-4685-be1f-d57550cc96cc" xsi:nil="true"/>
+    <AssetStart xmlns="4873beb7-5857-4685-be1f-d57550cc96cc">2012-08-31T08:50:00+00:00</AssetStart>
+    <FriendlyTitle xmlns="4873beb7-5857-4685-be1f-d57550cc96cc" xsi:nil="true"/>
+    <MarketSpecific xmlns="4873beb7-5857-4685-be1f-d57550cc96cc">false</MarketSpecific>
+    <TPNamespace xmlns="4873beb7-5857-4685-be1f-d57550cc96cc" xsi:nil="true"/>
+    <PublishStatusLookup xmlns="4873beb7-5857-4685-be1f-d57550cc96cc">
+      <Value>1616423</Value>
+    </PublishStatusLookup>
+    <APAuthor xmlns="4873beb7-5857-4685-be1f-d57550cc96cc">
+      <UserInfo>
+        <DisplayName>REDMOND\kristaa</DisplayName>
+        <AccountId>136</AccountId>
+        <AccountType/>
+      </UserInfo>
+    </APAuthor>
+    <TPCommandLine xmlns="4873beb7-5857-4685-be1f-d57550cc96cc" xsi:nil="true"/>
+    <IntlLangReviewer xmlns="4873beb7-5857-4685-be1f-d57550cc96cc" xsi:nil="true"/>
+    <OpenTemplate xmlns="4873beb7-5857-4685-be1f-d57550cc96cc">true</OpenTemplate>
+    <CSXSubmissionDate xmlns="4873beb7-5857-4685-be1f-d57550cc96cc" xsi:nil="true"/>
+    <TaxCatchAll xmlns="4873beb7-5857-4685-be1f-d57550cc96cc"/>
+    <Manager xmlns="4873beb7-5857-4685-be1f-d57550cc96cc" xsi:nil="true"/>
+    <NumericId xmlns="4873beb7-5857-4685-be1f-d57550cc96cc" xsi:nil="true"/>
+    <ParentAssetId xmlns="4873beb7-5857-4685-be1f-d57550cc96cc" xsi:nil="true"/>
+    <OriginalSourceMarket xmlns="4873beb7-5857-4685-be1f-d57550cc96cc" xsi:nil="true"/>
+    <ApprovalStatus xmlns="4873beb7-5857-4685-be1f-d57550cc96cc">InProgress</ApprovalStatus>
+    <TPComponent xmlns="4873beb7-5857-4685-be1f-d57550cc96cc" xsi:nil="true"/>
+    <EditorialTags xmlns="4873beb7-5857-4685-be1f-d57550cc96cc" xsi:nil="true"/>
+    <TPExecutable xmlns="4873beb7-5857-4685-be1f-d57550cc96cc" xsi:nil="true"/>
+    <TPLaunchHelpLink xmlns="4873beb7-5857-4685-be1f-d57550cc96cc" xsi:nil="true"/>
+    <LocComments xmlns="4873beb7-5857-4685-be1f-d57550cc96cc" xsi:nil="true"/>
+    <LocRecommendedHandoff xmlns="4873beb7-5857-4685-be1f-d57550cc96cc" xsi:nil="true"/>
+    <SourceTitle xmlns="4873beb7-5857-4685-be1f-d57550cc96cc" xsi:nil="true"/>
+    <CSXUpdate xmlns="4873beb7-5857-4685-be1f-d57550cc96cc">false</CSXUpdate>
+    <IntlLocPriority xmlns="4873beb7-5857-4685-be1f-d57550cc96cc" xsi:nil="true"/>
+    <UAProjectedTotalWords xmlns="4873beb7-5857-4685-be1f-d57550cc96cc" xsi:nil="true"/>
+    <AssetType xmlns="4873beb7-5857-4685-be1f-d57550cc96cc">TP</AssetType>
+    <MachineTranslated xmlns="4873beb7-5857-4685-be1f-d57550cc96cc">false</MachineTranslated>
+    <OutputCachingOn xmlns="4873beb7-5857-4685-be1f-d57550cc96cc">false</OutputCachingOn>
+    <TemplateStatus xmlns="4873beb7-5857-4685-be1f-d57550cc96cc">Complete</TemplateStatus>
+    <IsSearchable xmlns="4873beb7-5857-4685-be1f-d57550cc96cc">true</IsSearchable>
+    <ContentItem xmlns="4873beb7-5857-4685-be1f-d57550cc96cc" xsi:nil="true"/>
+    <HandoffToMSDN xmlns="4873beb7-5857-4685-be1f-d57550cc96cc" xsi:nil="true"/>
+    <ShowIn xmlns="4873beb7-5857-4685-be1f-d57550cc96cc">Show everywhere</ShowIn>
+    <ThumbnailAssetId xmlns="4873beb7-5857-4685-be1f-d57550cc96cc" xsi:nil="true"/>
+    <UALocComments xmlns="4873beb7-5857-4685-be1f-d57550cc96cc" xsi:nil="true"/>
+    <UALocRecommendation xmlns="4873beb7-5857-4685-be1f-d57550cc96cc">Localize</UALocRecommendation>
+    <LastModifiedDateTime xmlns="4873beb7-5857-4685-be1f-d57550cc96cc" xsi:nil="true"/>
+    <LegacyData xmlns="4873beb7-5857-4685-be1f-d57550cc96cc" xsi:nil="true"/>
+    <LocManualTestRequired xmlns="4873beb7-5857-4685-be1f-d57550cc96cc">false</LocManualTestRequired>
+    <LocMarketGroupTiers2 xmlns="4873beb7-5857-4685-be1f-d57550cc96cc" xsi:nil="true"/>
+    <ClipArtFilename xmlns="4873beb7-5857-4685-be1f-d57550cc96cc" xsi:nil="true"/>
+    <TPApplication xmlns="4873beb7-5857-4685-be1f-d57550cc96cc" xsi:nil="true"/>
+    <CSXHash xmlns="4873beb7-5857-4685-be1f-d57550cc96cc" xsi:nil="true"/>
+    <DirectSourceMarket xmlns="4873beb7-5857-4685-be1f-d57550cc96cc" xsi:nil="true"/>
+    <PrimaryImageGen xmlns="4873beb7-5857-4685-be1f-d57550cc96cc">true</PrimaryImageGen>
+    <PlannedPubDate xmlns="4873beb7-5857-4685-be1f-d57550cc96cc" xsi:nil="true"/>
+    <CSXSubmissionMarket xmlns="4873beb7-5857-4685-be1f-d57550cc96cc" xsi:nil="true"/>
+    <Downloads xmlns="4873beb7-5857-4685-be1f-d57550cc96cc">0</Downloads>
+    <ArtSampleDocs xmlns="4873beb7-5857-4685-be1f-d57550cc96cc" xsi:nil="true"/>
+    <TrustLevel xmlns="4873beb7-5857-4685-be1f-d57550cc96cc">1 Microsoft Managed Content</TrustLevel>
+    <BlockPublish xmlns="4873beb7-5857-4685-be1f-d57550cc96cc">false</BlockPublish>
+    <TPLaunchHelpLinkType xmlns="4873beb7-5857-4685-be1f-d57550cc96cc">Template</TPLaunchHelpLinkType>
+    <LocalizationTagsTaxHTField0 xmlns="4873beb7-5857-4685-be1f-d57550cc96cc">
+      <Terms xmlns="http://schemas.microsoft.com/office/infopath/2007/PartnerControls"/>
+    </LocalizationTagsTaxHTField0>
+    <BusinessGroup xmlns="4873beb7-5857-4685-be1f-d57550cc96cc" xsi:nil="true"/>
+    <Providers xmlns="4873beb7-5857-4685-be1f-d57550cc96cc" xsi:nil="true"/>
+    <TemplateTemplateType xmlns="4873beb7-5857-4685-be1f-d57550cc96cc">PowerPoint Presentation Template</TemplateTemplateType>
+    <TimesCloned xmlns="4873beb7-5857-4685-be1f-d57550cc96cc" xsi:nil="true"/>
+    <TPAppVersion xmlns="4873beb7-5857-4685-be1f-d57550cc96cc" xsi:nil="true"/>
+    <VoteCount xmlns="4873beb7-5857-4685-be1f-d57550cc96cc" xsi:nil="true"/>
+    <AverageRating xmlns="4873beb7-5857-4685-be1f-d57550cc96cc" xsi:nil="true"/>
+    <FeatureTagsTaxHTField0 xmlns="4873beb7-5857-4685-be1f-d57550cc96cc">
+      <Terms xmlns="http://schemas.microsoft.com/office/infopath/2007/PartnerControls"/>
+    </FeatureTagsTaxHTField0>
+    <Provider xmlns="4873beb7-5857-4685-be1f-d57550cc96cc" xsi:nil="true"/>
+    <UACurrentWords xmlns="4873beb7-5857-4685-be1f-d57550cc96cc" xsi:nil="true"/>
+    <AssetId xmlns="4873beb7-5857-4685-be1f-d57550cc96cc">TP103431361</AssetId>
+    <TPClientViewer xmlns="4873beb7-5857-4685-be1f-d57550cc96cc" xsi:nil="true"/>
+    <DSATActionTaken xmlns="4873beb7-5857-4685-be1f-d57550cc96cc" xsi:nil="true"/>
+    <APEditor xmlns="4873beb7-5857-4685-be1f-d57550cc96cc">
+      <UserInfo>
+        <DisplayName/>
+        <AccountId xsi:nil="true"/>
+        <AccountType/>
+      </UserInfo>
+    </APEditor>
+    <TPInstallLocation xmlns="4873beb7-5857-4685-be1f-d57550cc96cc" xsi:nil="true"/>
+    <OOCacheId xmlns="4873beb7-5857-4685-be1f-d57550cc96cc" xsi:nil="true"/>
+    <IsDeleted xmlns="4873beb7-5857-4685-be1f-d57550cc96cc">false</IsDeleted>
+    <PublishTargets xmlns="4873beb7-5857-4685-be1f-d57550cc96cc">OfficeOnlineVNext</PublishTargets>
+    <ApprovalLog xmlns="4873beb7-5857-4685-be1f-d57550cc96cc" xsi:nil="true"/>
+    <BugNumber xmlns="4873beb7-5857-4685-be1f-d57550cc96cc" xsi:nil="true"/>
+    <CrawlForDependencies xmlns="4873beb7-5857-4685-be1f-d57550cc96cc">false</CrawlForDependencies>
+    <InternalTagsTaxHTField0 xmlns="4873beb7-5857-4685-be1f-d57550cc96cc">
+      <Terms xmlns="http://schemas.microsoft.com/office/infopath/2007/PartnerControls"/>
+    </InternalTagsTaxHTField0>
+    <LastHandOff xmlns="4873beb7-5857-4685-be1f-d57550cc96cc" xsi:nil="true"/>
+    <Milestone xmlns="4873beb7-5857-4685-be1f-d57550cc96cc" xsi:nil="true"/>
+    <OriginalRelease xmlns="4873beb7-5857-4685-be1f-d57550cc96cc">15</OriginalRelease>
+    <RecommendationsModifier xmlns="4873beb7-5857-4685-be1f-d57550cc96cc" xsi:nil="true"/>
+    <ScenarioTagsTaxHTField0 xmlns="4873beb7-5857-4685-be1f-d57550cc96cc">
+      <Terms xmlns="http://schemas.microsoft.com/office/infopath/2007/PartnerControls"/>
+    </ScenarioTagsTaxHTField0>
+    <UANotes xmlns="4873beb7-5857-4685-be1f-d57550cc96cc" xsi:nil="true"/>
+  </documentManagement>
+</p:properties>
 </file>
 
 <file path=customXml/item2.xml><?xml version="1.0" encoding="utf-8"?>
@@ -8995,135 +8887,20 @@
 </file>
 
 <file path=customXml/item3.xml><?xml version="1.0" encoding="utf-8"?>
-<p:properties xmlns:p="http://schemas.microsoft.com/office/2006/metadata/properties" xmlns:xsi="http://www.w3.org/2001/XMLSchema-instance" xmlns:pc="http://schemas.microsoft.com/office/infopath/2007/PartnerControls">
-  <documentManagement>
-    <APDescription xmlns="4873beb7-5857-4685-be1f-d57550cc96cc" xsi:nil="true"/>
-    <AssetExpire xmlns="4873beb7-5857-4685-be1f-d57550cc96cc">2029-01-01T08:00:00+00:00</AssetExpire>
-    <CampaignTagsTaxHTField0 xmlns="4873beb7-5857-4685-be1f-d57550cc96cc">
-      <Terms xmlns="http://schemas.microsoft.com/office/infopath/2007/PartnerControls"/>
-    </CampaignTagsTaxHTField0>
-    <IntlLangReviewDate xmlns="4873beb7-5857-4685-be1f-d57550cc96cc" xsi:nil="true"/>
-    <TPFriendlyName xmlns="4873beb7-5857-4685-be1f-d57550cc96cc" xsi:nil="true"/>
-    <IntlLangReview xmlns="4873beb7-5857-4685-be1f-d57550cc96cc">false</IntlLangReview>
-    <LocLastLocAttemptVersionLookup xmlns="4873beb7-5857-4685-be1f-d57550cc96cc">855024</LocLastLocAttemptVersionLookup>
-    <PolicheckWords xmlns="4873beb7-5857-4685-be1f-d57550cc96cc" xsi:nil="true"/>
-    <SubmitterId xmlns="4873beb7-5857-4685-be1f-d57550cc96cc" xsi:nil="true"/>
-    <AcquiredFrom xmlns="4873beb7-5857-4685-be1f-d57550cc96cc">Internal MS</AcquiredFrom>
-    <EditorialStatus xmlns="4873beb7-5857-4685-be1f-d57550cc96cc">Complete</EditorialStatus>
-    <Markets xmlns="4873beb7-5857-4685-be1f-d57550cc96cc"/>
-    <OriginAsset xmlns="4873beb7-5857-4685-be1f-d57550cc96cc" xsi:nil="true"/>
-    <AssetStart xmlns="4873beb7-5857-4685-be1f-d57550cc96cc">2012-08-31T08:50:00+00:00</AssetStart>
-    <FriendlyTitle xmlns="4873beb7-5857-4685-be1f-d57550cc96cc" xsi:nil="true"/>
-    <MarketSpecific xmlns="4873beb7-5857-4685-be1f-d57550cc96cc">false</MarketSpecific>
-    <TPNamespace xmlns="4873beb7-5857-4685-be1f-d57550cc96cc" xsi:nil="true"/>
-    <PublishStatusLookup xmlns="4873beb7-5857-4685-be1f-d57550cc96cc">
-      <Value>1616423</Value>
-    </PublishStatusLookup>
-    <APAuthor xmlns="4873beb7-5857-4685-be1f-d57550cc96cc">
-      <UserInfo>
-        <DisplayName>REDMOND\kristaa</DisplayName>
-        <AccountId>136</AccountId>
-        <AccountType/>
-      </UserInfo>
-    </APAuthor>
-    <TPCommandLine xmlns="4873beb7-5857-4685-be1f-d57550cc96cc" xsi:nil="true"/>
-    <IntlLangReviewer xmlns="4873beb7-5857-4685-be1f-d57550cc96cc" xsi:nil="true"/>
-    <OpenTemplate xmlns="4873beb7-5857-4685-be1f-d57550cc96cc">true</OpenTemplate>
-    <CSXSubmissionDate xmlns="4873beb7-5857-4685-be1f-d57550cc96cc" xsi:nil="true"/>
-    <TaxCatchAll xmlns="4873beb7-5857-4685-be1f-d57550cc96cc"/>
-    <Manager xmlns="4873beb7-5857-4685-be1f-d57550cc96cc" xsi:nil="true"/>
-    <NumericId xmlns="4873beb7-5857-4685-be1f-d57550cc96cc" xsi:nil="true"/>
-    <ParentAssetId xmlns="4873beb7-5857-4685-be1f-d57550cc96cc" xsi:nil="true"/>
-    <OriginalSourceMarket xmlns="4873beb7-5857-4685-be1f-d57550cc96cc" xsi:nil="true"/>
-    <ApprovalStatus xmlns="4873beb7-5857-4685-be1f-d57550cc96cc">InProgress</ApprovalStatus>
-    <TPComponent xmlns="4873beb7-5857-4685-be1f-d57550cc96cc" xsi:nil="true"/>
-    <EditorialTags xmlns="4873beb7-5857-4685-be1f-d57550cc96cc" xsi:nil="true"/>
-    <TPExecutable xmlns="4873beb7-5857-4685-be1f-d57550cc96cc" xsi:nil="true"/>
-    <TPLaunchHelpLink xmlns="4873beb7-5857-4685-be1f-d57550cc96cc" xsi:nil="true"/>
-    <LocComments xmlns="4873beb7-5857-4685-be1f-d57550cc96cc" xsi:nil="true"/>
-    <LocRecommendedHandoff xmlns="4873beb7-5857-4685-be1f-d57550cc96cc" xsi:nil="true"/>
-    <SourceTitle xmlns="4873beb7-5857-4685-be1f-d57550cc96cc" xsi:nil="true"/>
-    <CSXUpdate xmlns="4873beb7-5857-4685-be1f-d57550cc96cc">false</CSXUpdate>
-    <IntlLocPriority xmlns="4873beb7-5857-4685-be1f-d57550cc96cc" xsi:nil="true"/>
-    <UAProjectedTotalWords xmlns="4873beb7-5857-4685-be1f-d57550cc96cc" xsi:nil="true"/>
-    <AssetType xmlns="4873beb7-5857-4685-be1f-d57550cc96cc">TP</AssetType>
-    <MachineTranslated xmlns="4873beb7-5857-4685-be1f-d57550cc96cc">false</MachineTranslated>
-    <OutputCachingOn xmlns="4873beb7-5857-4685-be1f-d57550cc96cc">false</OutputCachingOn>
-    <TemplateStatus xmlns="4873beb7-5857-4685-be1f-d57550cc96cc">Complete</TemplateStatus>
-    <IsSearchable xmlns="4873beb7-5857-4685-be1f-d57550cc96cc">true</IsSearchable>
-    <ContentItem xmlns="4873beb7-5857-4685-be1f-d57550cc96cc" xsi:nil="true"/>
-    <HandoffToMSDN xmlns="4873beb7-5857-4685-be1f-d57550cc96cc" xsi:nil="true"/>
-    <ShowIn xmlns="4873beb7-5857-4685-be1f-d57550cc96cc">Show everywhere</ShowIn>
-    <ThumbnailAssetId xmlns="4873beb7-5857-4685-be1f-d57550cc96cc" xsi:nil="true"/>
-    <UALocComments xmlns="4873beb7-5857-4685-be1f-d57550cc96cc" xsi:nil="true"/>
-    <UALocRecommendation xmlns="4873beb7-5857-4685-be1f-d57550cc96cc">Localize</UALocRecommendation>
-    <LastModifiedDateTime xmlns="4873beb7-5857-4685-be1f-d57550cc96cc" xsi:nil="true"/>
-    <LegacyData xmlns="4873beb7-5857-4685-be1f-d57550cc96cc" xsi:nil="true"/>
-    <LocManualTestRequired xmlns="4873beb7-5857-4685-be1f-d57550cc96cc">false</LocManualTestRequired>
-    <LocMarketGroupTiers2 xmlns="4873beb7-5857-4685-be1f-d57550cc96cc" xsi:nil="true"/>
-    <ClipArtFilename xmlns="4873beb7-5857-4685-be1f-d57550cc96cc" xsi:nil="true"/>
-    <TPApplication xmlns="4873beb7-5857-4685-be1f-d57550cc96cc" xsi:nil="true"/>
-    <CSXHash xmlns="4873beb7-5857-4685-be1f-d57550cc96cc" xsi:nil="true"/>
-    <DirectSourceMarket xmlns="4873beb7-5857-4685-be1f-d57550cc96cc" xsi:nil="true"/>
-    <PrimaryImageGen xmlns="4873beb7-5857-4685-be1f-d57550cc96cc">true</PrimaryImageGen>
-    <PlannedPubDate xmlns="4873beb7-5857-4685-be1f-d57550cc96cc" xsi:nil="true"/>
-    <CSXSubmissionMarket xmlns="4873beb7-5857-4685-be1f-d57550cc96cc" xsi:nil="true"/>
-    <Downloads xmlns="4873beb7-5857-4685-be1f-d57550cc96cc">0</Downloads>
-    <ArtSampleDocs xmlns="4873beb7-5857-4685-be1f-d57550cc96cc" xsi:nil="true"/>
-    <TrustLevel xmlns="4873beb7-5857-4685-be1f-d57550cc96cc">1 Microsoft Managed Content</TrustLevel>
-    <BlockPublish xmlns="4873beb7-5857-4685-be1f-d57550cc96cc">false</BlockPublish>
-    <TPLaunchHelpLinkType xmlns="4873beb7-5857-4685-be1f-d57550cc96cc">Template</TPLaunchHelpLinkType>
-    <LocalizationTagsTaxHTField0 xmlns="4873beb7-5857-4685-be1f-d57550cc96cc">
-      <Terms xmlns="http://schemas.microsoft.com/office/infopath/2007/PartnerControls"/>
-    </LocalizationTagsTaxHTField0>
-    <BusinessGroup xmlns="4873beb7-5857-4685-be1f-d57550cc96cc" xsi:nil="true"/>
-    <Providers xmlns="4873beb7-5857-4685-be1f-d57550cc96cc" xsi:nil="true"/>
-    <TemplateTemplateType xmlns="4873beb7-5857-4685-be1f-d57550cc96cc">PowerPoint Presentation Template</TemplateTemplateType>
-    <TimesCloned xmlns="4873beb7-5857-4685-be1f-d57550cc96cc" xsi:nil="true"/>
-    <TPAppVersion xmlns="4873beb7-5857-4685-be1f-d57550cc96cc" xsi:nil="true"/>
-    <VoteCount xmlns="4873beb7-5857-4685-be1f-d57550cc96cc" xsi:nil="true"/>
-    <AverageRating xmlns="4873beb7-5857-4685-be1f-d57550cc96cc" xsi:nil="true"/>
-    <FeatureTagsTaxHTField0 xmlns="4873beb7-5857-4685-be1f-d57550cc96cc">
-      <Terms xmlns="http://schemas.microsoft.com/office/infopath/2007/PartnerControls"/>
-    </FeatureTagsTaxHTField0>
-    <Provider xmlns="4873beb7-5857-4685-be1f-d57550cc96cc" xsi:nil="true"/>
-    <UACurrentWords xmlns="4873beb7-5857-4685-be1f-d57550cc96cc" xsi:nil="true"/>
-    <AssetId xmlns="4873beb7-5857-4685-be1f-d57550cc96cc">TP103431361</AssetId>
-    <TPClientViewer xmlns="4873beb7-5857-4685-be1f-d57550cc96cc" xsi:nil="true"/>
-    <DSATActionTaken xmlns="4873beb7-5857-4685-be1f-d57550cc96cc" xsi:nil="true"/>
-    <APEditor xmlns="4873beb7-5857-4685-be1f-d57550cc96cc">
-      <UserInfo>
-        <DisplayName/>
-        <AccountId xsi:nil="true"/>
-        <AccountType/>
-      </UserInfo>
-    </APEditor>
-    <TPInstallLocation xmlns="4873beb7-5857-4685-be1f-d57550cc96cc" xsi:nil="true"/>
-    <OOCacheId xmlns="4873beb7-5857-4685-be1f-d57550cc96cc" xsi:nil="true"/>
-    <IsDeleted xmlns="4873beb7-5857-4685-be1f-d57550cc96cc">false</IsDeleted>
-    <PublishTargets xmlns="4873beb7-5857-4685-be1f-d57550cc96cc">OfficeOnlineVNext</PublishTargets>
-    <ApprovalLog xmlns="4873beb7-5857-4685-be1f-d57550cc96cc" xsi:nil="true"/>
-    <BugNumber xmlns="4873beb7-5857-4685-be1f-d57550cc96cc" xsi:nil="true"/>
-    <CrawlForDependencies xmlns="4873beb7-5857-4685-be1f-d57550cc96cc">false</CrawlForDependencies>
-    <InternalTagsTaxHTField0 xmlns="4873beb7-5857-4685-be1f-d57550cc96cc">
-      <Terms xmlns="http://schemas.microsoft.com/office/infopath/2007/PartnerControls"/>
-    </InternalTagsTaxHTField0>
-    <LastHandOff xmlns="4873beb7-5857-4685-be1f-d57550cc96cc" xsi:nil="true"/>
-    <Milestone xmlns="4873beb7-5857-4685-be1f-d57550cc96cc" xsi:nil="true"/>
-    <OriginalRelease xmlns="4873beb7-5857-4685-be1f-d57550cc96cc">15</OriginalRelease>
-    <RecommendationsModifier xmlns="4873beb7-5857-4685-be1f-d57550cc96cc" xsi:nil="true"/>
-    <ScenarioTagsTaxHTField0 xmlns="4873beb7-5857-4685-be1f-d57550cc96cc">
-      <Terms xmlns="http://schemas.microsoft.com/office/infopath/2007/PartnerControls"/>
-    </ScenarioTagsTaxHTField0>
-    <UANotes xmlns="4873beb7-5857-4685-be1f-d57550cc96cc" xsi:nil="true"/>
-  </documentManagement>
-</p:properties>
+<?mso-contentType ?>
+<FormTemplates xmlns="http://schemas.microsoft.com/sharepoint/v3/contenttype/forms">
+  <Display>DocumentLibraryForm</Display>
+  <Edit>AssetEditForm</Edit>
+  <New>DocumentLibraryForm</New>
+</FormTemplates>
 </file>
 
 <file path=customXml/itemProps1.xml><?xml version="1.0" encoding="utf-8"?>
-<ds:datastoreItem xmlns:ds="http://schemas.openxmlformats.org/officeDocument/2006/customXml" ds:itemID="{561E720F-F05D-4536-9C34-0CFCED65D3B7}">
+<ds:datastoreItem xmlns:ds="http://schemas.openxmlformats.org/officeDocument/2006/customXml" ds:itemID="{8CDDBB83-77C1-4099-A0AA-289882E745E2}">
   <ds:schemaRefs>
-    <ds:schemaRef ds:uri="http://schemas.microsoft.com/sharepoint/v3/contenttype/forms"/>
+    <ds:schemaRef ds:uri="http://schemas.microsoft.com/office/2006/metadata/properties"/>
+    <ds:schemaRef ds:uri="http://schemas.microsoft.com/office/infopath/2007/PartnerControls"/>
+    <ds:schemaRef ds:uri="4873beb7-5857-4685-be1f-d57550cc96cc"/>
   </ds:schemaRefs>
 </ds:datastoreItem>
 </file>
@@ -9147,11 +8924,9 @@
 </file>
 
 <file path=customXml/itemProps3.xml><?xml version="1.0" encoding="utf-8"?>
-<ds:datastoreItem xmlns:ds="http://schemas.openxmlformats.org/officeDocument/2006/customXml" ds:itemID="{8CDDBB83-77C1-4099-A0AA-289882E745E2}">
+<ds:datastoreItem xmlns:ds="http://schemas.openxmlformats.org/officeDocument/2006/customXml" ds:itemID="{561E720F-F05D-4536-9C34-0CFCED65D3B7}">
   <ds:schemaRefs>
-    <ds:schemaRef ds:uri="http://schemas.microsoft.com/office/2006/metadata/properties"/>
-    <ds:schemaRef ds:uri="http://schemas.microsoft.com/office/infopath/2007/PartnerControls"/>
-    <ds:schemaRef ds:uri="4873beb7-5857-4685-be1f-d57550cc96cc"/>
+    <ds:schemaRef ds:uri="http://schemas.microsoft.com/sharepoint/v3/contenttype/forms"/>
   </ds:schemaRefs>
 </ds:datastoreItem>
 </file>